--- a/EmirBY96-Performans-main/ATP 11-A PERFORMANS ÖDEVİ.pptx
+++ b/EmirBY96-Performans-main/ATP 11-A PERFORMANS ÖDEVİ.pptx
@@ -109,6 +109,11 @@
       </a:defRPr>
     </a:lvl9pPr>
   </p:defaultTextStyle>
+  <p:extLst>
+    <p:ext uri="{EFAFB233-063F-42B5-8137-9DF3F51BA10A}">
+      <p15:sldGuideLst xmlns:p15="http://schemas.microsoft.com/office/powerpoint/2012/main"/>
+    </p:ext>
+  </p:extLst>
 </p:presentation>
 </file>
 
@@ -5884,9 +5889,9 @@
     <a:masterClrMapping/>
   </p:clrMapOvr>
   <mc:AlternateContent xmlns:mc="http://schemas.openxmlformats.org/markup-compatibility/2006">
-    <mc:Choice xmlns:p14="http://schemas.microsoft.com/office/powerpoint/2010/main" Requires="p14">
-      <p:transition spd="slow">
-        <p14:flash/>
+    <mc:Choice xmlns:p15="http://schemas.microsoft.com/office/powerpoint/2012/main" Requires="p15">
+      <p:transition xmlns:p14="http://schemas.microsoft.com/office/powerpoint/2010/main" spd="slow" p14:dur="2000">
+        <p15:prstTrans prst="crush"/>
       </p:transition>
     </mc:Choice>
     <mc:Fallback>
@@ -5946,7 +5951,6 @@
               <a:rPr lang="tr-TR" dirty="0"/>
               <a:t>1.C# FORMS TASARIMI</a:t>
             </a:r>
-            <a:endParaRPr lang="tr-TR" dirty="0"/>
           </a:p>
         </p:txBody>
       </p:sp>
@@ -5972,7 +5976,19 @@
           <a:p>
             <a:r>
               <a:rPr lang="tr-TR" dirty="0" smtClean="0"/>
-              <a:t>Maalesef pala babaları silemedim</a:t>
+              <a:t>Maalesef pala babaları silemedim. </a:t>
+            </a:r>
+            <a:r>
+              <a:rPr lang="tr-TR" dirty="0" err="1"/>
+              <a:t>A</a:t>
+            </a:r>
+            <a:r>
+              <a:rPr lang="tr-TR" dirty="0" err="1" smtClean="0"/>
+              <a:t>rayüz</a:t>
+            </a:r>
+            <a:r>
+              <a:rPr lang="tr-TR" dirty="0" smtClean="0"/>
+              <a:t> gayet basit giriş kaydet ve sil butonu var uygulamadan çıkmak içinde çık butonu var.</a:t>
             </a:r>
             <a:endParaRPr lang="tr-TR" dirty="0"/>
           </a:p>
@@ -6021,14 +6037,14 @@
     <a:masterClrMapping/>
   </p:clrMapOvr>
   <mc:AlternateContent xmlns:mc="http://schemas.openxmlformats.org/markup-compatibility/2006">
-    <mc:Choice xmlns:p14="http://schemas.microsoft.com/office/powerpoint/2010/main" Requires="p14">
-      <p:transition spd="slow" p14:dur="800">
-        <p:circle/>
+    <mc:Choice xmlns:p15="http://schemas.microsoft.com/office/powerpoint/2012/main" Requires="p15">
+      <p:transition xmlns:p14="http://schemas.microsoft.com/office/powerpoint/2010/main" spd="slow" p14:dur="3250">
+        <p15:prstTrans prst="origami"/>
       </p:transition>
     </mc:Choice>
     <mc:Fallback>
       <p:transition spd="slow">
-        <p:circle/>
+        <p:fade/>
       </p:transition>
     </mc:Fallback>
   </mc:AlternateContent>
@@ -6100,11 +6116,24 @@
             <p:ph type="body" idx="1"/>
           </p:nvPr>
         </p:nvSpPr>
-        <p:spPr/>
+        <p:spPr>
+          <a:xfrm>
+            <a:off x="6151770" y="1419087"/>
+            <a:ext cx="8596668" cy="1570962"/>
+          </a:xfrm>
+        </p:spPr>
         <p:txBody>
           <a:bodyPr/>
           <a:lstStyle/>
           <a:p>
+            <a:r>
+              <a:rPr lang="tr-TR" dirty="0" err="1" smtClean="0"/>
+              <a:t>SQLiteda</a:t>
+            </a:r>
+            <a:r>
+              <a:rPr lang="tr-TR" dirty="0" smtClean="0"/>
+              <a:t> fazla bir kod yok </a:t>
+            </a:r>
             <a:endParaRPr lang="tr-TR" dirty="0"/>
           </a:p>
         </p:txBody>
@@ -6147,9 +6176,18 @@
   <p:clrMapOvr>
     <a:masterClrMapping/>
   </p:clrMapOvr>
-  <p:transition spd="slow">
-    <p:randomBar dir="vert"/>
-  </p:transition>
+  <mc:AlternateContent xmlns:mc="http://schemas.openxmlformats.org/markup-compatibility/2006">
+    <mc:Choice xmlns:p14="http://schemas.microsoft.com/office/powerpoint/2010/main" Requires="p14">
+      <p:transition spd="slow" p14:dur="4000">
+        <p14:vortex dir="r"/>
+      </p:transition>
+    </mc:Choice>
+    <mc:Fallback>
+      <p:transition spd="slow">
+        <p:fade/>
+      </p:transition>
+    </mc:Fallback>
+  </mc:AlternateContent>
   <p:timing>
     <p:tnLst>
       <p:par>
@@ -6206,7 +6244,15 @@
             <a:br>
               <a:rPr lang="tr-TR" dirty="0"/>
             </a:br>
-            <a:endParaRPr lang="tr-TR" dirty="0"/>
+            <a:r>
+              <a:rPr lang="tr-TR" sz="1800" dirty="0" smtClean="0">
+                <a:solidFill>
+                  <a:schemeClr val="tx1"/>
+                </a:solidFill>
+              </a:rPr>
+              <a:t>Kodlarda gayet basit değer ekle değer sil değer güncelle yapmaya çalışıp başaramadım.</a:t>
+            </a:r>
+            <a:endParaRPr lang="tr-TR" sz="1800" dirty="0"/>
           </a:p>
         </p:txBody>
       </p:sp>
@@ -6287,7 +6333,7 @@
         </p:blipFill>
         <p:spPr>
           <a:xfrm>
-            <a:off x="79512" y="609600"/>
+            <a:off x="0" y="1414671"/>
             <a:ext cx="6581883" cy="5443329"/>
           </a:xfrm>
         </p:spPr>
@@ -6314,8 +6360,8 @@
         </p:blipFill>
         <p:spPr>
           <a:xfrm>
-            <a:off x="6661395" y="609600"/>
-            <a:ext cx="5235195" cy="6042991"/>
+            <a:off x="6581884" y="1414670"/>
+            <a:ext cx="5610116" cy="5443329"/>
           </a:xfrm>
           <a:prstGeom prst="rect">
             <a:avLst/>
@@ -6333,9 +6379,9 @@
     <a:masterClrMapping/>
   </p:clrMapOvr>
   <mc:AlternateContent xmlns:mc="http://schemas.openxmlformats.org/markup-compatibility/2006">
-    <mc:Choice xmlns:p15="http://schemas.microsoft.com/office/powerpoint/2012/main" Requires="p15">
-      <p:transition xmlns:p14="http://schemas.microsoft.com/office/powerpoint/2010/main" spd="slow" p14:dur="2000">
-        <p15:prstTrans prst="drape"/>
+    <mc:Choice xmlns:p14="http://schemas.microsoft.com/office/powerpoint/2010/main" Requires="p14">
+      <p:transition spd="slow" p14:dur="1400">
+        <p14:ripple/>
       </p:transition>
     </mc:Choice>
     <mc:Fallback>
@@ -6395,11 +6441,48 @@
         </p:blipFill>
         <p:spPr>
           <a:xfrm>
-            <a:off x="807071" y="1808923"/>
-            <a:ext cx="10112315" cy="3416454"/>
+            <a:off x="0" y="2504661"/>
+            <a:ext cx="11877261" cy="4353339"/>
           </a:xfrm>
         </p:spPr>
       </p:pic>
+      <p:sp>
+        <p:nvSpPr>
+          <p:cNvPr id="2" name="Dikdörtgen 1"/>
+          <p:cNvSpPr/>
+          <p:nvPr/>
+        </p:nvSpPr>
+        <p:spPr>
+          <a:xfrm>
+            <a:off x="0" y="1753465"/>
+            <a:ext cx="3512500" cy="646331"/>
+          </a:xfrm>
+          <a:prstGeom prst="rect">
+            <a:avLst/>
+          </a:prstGeom>
+        </p:spPr>
+        <p:txBody>
+          <a:bodyPr wrap="none">
+            <a:spAutoFit/>
+          </a:bodyPr>
+          <a:lstStyle/>
+          <a:p>
+            <a:r>
+              <a:rPr lang="tr-TR" sz="3600" dirty="0" smtClean="0">
+                <a:solidFill>
+                  <a:schemeClr val="accent2"/>
+                </a:solidFill>
+              </a:rPr>
+              <a:t>Kodların devamı</a:t>
+            </a:r>
+            <a:endParaRPr lang="en-US" sz="3600" dirty="0">
+              <a:solidFill>
+                <a:schemeClr val="accent2"/>
+              </a:solidFill>
+            </a:endParaRPr>
+          </a:p>
+        </p:txBody>
+      </p:sp>
     </p:spTree>
     <p:extLst>
       <p:ext uri="{BB962C8B-B14F-4D97-AF65-F5344CB8AC3E}">
@@ -6413,7 +6496,7 @@
   <mc:AlternateContent xmlns:mc="http://schemas.openxmlformats.org/markup-compatibility/2006">
     <mc:Choice xmlns:p15="http://schemas.microsoft.com/office/powerpoint/2012/main" Requires="p15">
       <p:transition xmlns:p14="http://schemas.microsoft.com/office/powerpoint/2010/main" spd="slow" p14:dur="2000">
-        <p15:prstTrans prst="wind" invX="1"/>
+        <p15:prstTrans prst="fracture"/>
       </p:transition>
     </mc:Choice>
     <mc:Fallback>
@@ -6507,13 +6590,13 @@
   </p:clrMapOvr>
   <mc:AlternateContent xmlns:mc="http://schemas.openxmlformats.org/markup-compatibility/2006">
     <mc:Choice xmlns:p14="http://schemas.microsoft.com/office/powerpoint/2010/main" Requires="p14">
-      <p:transition spd="slow" p14:dur="2500">
-        <p:checker/>
+      <p:transition spd="slow" p14:dur="3000">
+        <p14:shred/>
       </p:transition>
     </mc:Choice>
     <mc:Fallback>
       <p:transition spd="slow">
-        <p:checker/>
+        <p:fade/>
       </p:transition>
     </mc:Fallback>
   </mc:AlternateContent>
